--- a/hito2/evaluacion prosual/evaluacion procesual hito 2.pptx
+++ b/hito2/evaluacion prosual/evaluacion procesual hito 2.pptx
@@ -3607,13 +3607,22 @@
           <a:p>
             <a:pPr algn="ctr"/>
             <a:r>
+              <a:rPr lang="es-BO" altLang="ko-KR" sz="2400">
+                <a:solidFill>
+                  <a:schemeClr val="bg1"/>
+                </a:solidFill>
+                <a:latin typeface="+mj-lt"/>
+              </a:rPr>
+              <a:t>3er </a:t>
+            </a:r>
+            <a:r>
               <a:rPr lang="es-BO" altLang="ko-KR" sz="2400" dirty="0">
                 <a:solidFill>
                   <a:schemeClr val="bg1"/>
                 </a:solidFill>
                 <a:latin typeface="+mj-lt"/>
               </a:rPr>
-              <a:t>3do SEMESTRE INGENIERIA DE SISTEMAS</a:t>
+              <a:t>SEMESTRE INGENIERIA DE SISTEMAS</a:t>
             </a:r>
             <a:endParaRPr lang="ko-KR" altLang="en-US" sz="2400" dirty="0">
               <a:solidFill>
